--- a/solution.pptx
+++ b/solution.pptx
@@ -6325,7 +6325,7 @@
             </a:pPr>
             <a:r>
               <a:rPr lang="en-GB"/>
-              <a:t>Train set generated by our own model, validated by a GPT model</a:t>
+              <a:t>Train set generated by QWEN3 4B model, validated by a GPT model</a:t>
             </a:r>
             <a:endParaRPr/>
           </a:p>

--- a/solution.pptx
+++ b/solution.pptx
@@ -6254,7 +6254,7 @@
         </p:spPr>
         <p:txBody>
           <a:bodyPr anchorCtr="0" anchor="t" bIns="91425" lIns="91425" spcFirstLastPara="1" rIns="91425" wrap="square" tIns="91425">
-            <a:normAutofit/>
+            <a:normAutofit lnSpcReduction="10000"/>
           </a:bodyPr>
           <a:lstStyle/>
           <a:p>
@@ -6325,7 +6325,7 @@
             </a:pPr>
             <a:r>
               <a:rPr lang="en-GB"/>
-              <a:t>Train set generated by QWEN3 4B model, validated by a GPT model</a:t>
+              <a:t>Train set generated by QWEN3 4B model, validated by a Llama 3.1 405B model</a:t>
             </a:r>
             <a:endParaRPr/>
           </a:p>
